--- a/Lab4/Presentation.pptx
+++ b/Lab4/Presentation.pptx
@@ -8,7 +8,6 @@
     <p:sldId id="256" r:id="rId2"/>
     <p:sldId id="257" r:id="rId3"/>
     <p:sldId id="258" r:id="rId4"/>
-    <p:sldId id="260" r:id="rId5"/>
   </p:sldIdLst>
   <p:sldSz cx="12192000" cy="6858000"/>
   <p:notesSz cx="6858000" cy="9144000"/>
@@ -107,6 +106,11 @@
       </a:defRPr>
     </a:lvl9pPr>
   </p:defaultTextStyle>
+  <p:extLst>
+    <p:ext uri="{EFAFB233-063F-42B5-8137-9DF3F51BA10A}">
+      <p15:sldGuideLst xmlns:p15="http://schemas.microsoft.com/office/powerpoint/2012/main"/>
+    </p:ext>
+  </p:extLst>
 </p:presentation>
 </file>
 
@@ -8903,7 +8907,7 @@
           <a:p>
             <a:fld id="{6AD6EE87-EBD5-4F12-A48A-63ACA297AC8F}" type="datetimeFigureOut">
               <a:rPr lang="en-US" dirty="0"/>
-              <a:t>2/6/20</a:t>
+              <a:t>4/14/20</a:t>
             </a:fld>
             <a:endParaRPr lang="en-US" dirty="0"/>
           </a:p>
@@ -9105,7 +9109,7 @@
           <a:p>
             <a:fld id="{4CD73815-2707-4475-8F1A-B873CB631BB4}" type="datetimeFigureOut">
               <a:rPr lang="en-US" dirty="0"/>
-              <a:t>2/6/20</a:t>
+              <a:t>4/14/20</a:t>
             </a:fld>
             <a:endParaRPr lang="en-US" dirty="0"/>
           </a:p>
@@ -9280,7 +9284,7 @@
           <a:p>
             <a:fld id="{2A4AFB99-0EAB-4182-AFF8-E214C82A68F6}" type="datetimeFigureOut">
               <a:rPr lang="en-US" dirty="0"/>
-              <a:t>2/6/20</a:t>
+              <a:t>4/14/20</a:t>
             </a:fld>
             <a:endParaRPr lang="en-US" dirty="0"/>
           </a:p>
@@ -9480,7 +9484,7 @@
           <a:p>
             <a:fld id="{A5D3794B-289A-4A80-97D7-111025398D45}" type="datetimeFigureOut">
               <a:rPr lang="en-US" dirty="0"/>
-              <a:t>2/6/20</a:t>
+              <a:t>4/14/20</a:t>
             </a:fld>
             <a:endParaRPr lang="en-US" dirty="0"/>
           </a:p>
@@ -18373,7 +18377,7 @@
           <a:p>
             <a:fld id="{5A61015F-7CC6-4D0A-9D87-873EA4C304CC}" type="datetimeFigureOut">
               <a:rPr lang="en-US" dirty="0"/>
-              <a:t>2/6/20</a:t>
+              <a:t>4/14/20</a:t>
             </a:fld>
             <a:endParaRPr lang="en-US" dirty="0"/>
           </a:p>
@@ -18642,7 +18646,7 @@
           <a:p>
             <a:fld id="{93C6A301-0538-44EC-B09D-202E1042A48B}" type="datetimeFigureOut">
               <a:rPr lang="en-US" dirty="0"/>
-              <a:t>2/6/20</a:t>
+              <a:t>4/14/20</a:t>
             </a:fld>
             <a:endParaRPr lang="en-US" dirty="0"/>
           </a:p>
@@ -19035,7 +19039,7 @@
           <a:p>
             <a:fld id="{D789574A-8875-45EF-8EA2-3CAA0F7ABC4C}" type="datetimeFigureOut">
               <a:rPr lang="en-US" dirty="0"/>
-              <a:t>2/6/20</a:t>
+              <a:t>4/14/20</a:t>
             </a:fld>
             <a:endParaRPr lang="en-US" dirty="0"/>
           </a:p>
@@ -19148,7 +19152,7 @@
           <a:p>
             <a:fld id="{67EF4D4C-5367-4C26-9E2B-D8088D7FCA81}" type="datetimeFigureOut">
               <a:rPr lang="en-US" dirty="0"/>
-              <a:t>2/6/20</a:t>
+              <a:t>4/14/20</a:t>
             </a:fld>
             <a:endParaRPr lang="en-US" dirty="0"/>
           </a:p>
@@ -19238,7 +19242,7 @@
           <a:p>
             <a:fld id="{56E91E96-98B0-4413-9547-46F3504108EF}" type="datetimeFigureOut">
               <a:rPr lang="en-US" dirty="0"/>
-              <a:t>2/6/20</a:t>
+              <a:t>4/14/20</a:t>
             </a:fld>
             <a:endParaRPr lang="en-US" dirty="0"/>
           </a:p>
@@ -19523,7 +19527,7 @@
           <a:p>
             <a:fld id="{05C68B11-C5A8-448C-8CE9-B1A273C79CFC}" type="datetimeFigureOut">
               <a:rPr lang="en-US" dirty="0"/>
-              <a:t>2/6/20</a:t>
+              <a:t>4/14/20</a:t>
             </a:fld>
             <a:endParaRPr lang="en-US" dirty="0"/>
           </a:p>
@@ -19798,7 +19802,7 @@
           <a:p>
             <a:fld id="{C7616CA0-919D-4A49-9C8A-62FDFB3A5183}" type="datetimeFigureOut">
               <a:rPr lang="en-US" dirty="0"/>
-              <a:t>2/6/20</a:t>
+              <a:t>4/14/20</a:t>
             </a:fld>
             <a:endParaRPr lang="en-US" dirty="0"/>
           </a:p>
@@ -20044,7 +20048,7 @@
             <a:fld id="{90298CD5-6C1E-4009-B41F-6DF62E31D3BE}" type="datetimeFigureOut">
               <a:rPr lang="en-US" dirty="0"/>
               <a:pPr/>
-              <a:t>2/6/20</a:t>
+              <a:t>4/14/20</a:t>
             </a:fld>
             <a:endParaRPr lang="en-US" dirty="0"/>
           </a:p>
@@ -20968,135 +20972,6 @@
 </p:sld>
 </file>
 
-<file path=ppt/slides/slide4.xml><?xml version="1.0" encoding="utf-8"?>
-<p:sld xmlns:a="http://schemas.openxmlformats.org/drawingml/2006/main" xmlns:r="http://schemas.openxmlformats.org/officeDocument/2006/relationships" xmlns:p="http://schemas.openxmlformats.org/presentationml/2006/main">
-  <p:cSld>
-    <p:spTree>
-      <p:nvGrpSpPr>
-        <p:cNvPr id="1" name=""/>
-        <p:cNvGrpSpPr/>
-        <p:nvPr/>
-      </p:nvGrpSpPr>
-      <p:grpSpPr>
-        <a:xfrm>
-          <a:off x="0" y="0"/>
-          <a:ext cx="0" cy="0"/>
-          <a:chOff x="0" y="0"/>
-          <a:chExt cx="0" cy="0"/>
-        </a:xfrm>
-      </p:grpSpPr>
-      <p:sp>
-        <p:nvSpPr>
-          <p:cNvPr id="8" name="Title 1">
-            <a:extLst>
-              <a:ext uri="{FF2B5EF4-FFF2-40B4-BE49-F238E27FC236}">
-                <a16:creationId xmlns:a16="http://schemas.microsoft.com/office/drawing/2014/main" id="{5ABB7984-E668-F642-AC2A-BE07DEC72799}"/>
-              </a:ext>
-            </a:extLst>
-          </p:cNvPr>
-          <p:cNvSpPr txBox="1">
-            <a:spLocks/>
-          </p:cNvSpPr>
-          <p:nvPr/>
-        </p:nvSpPr>
-        <p:spPr>
-          <a:xfrm>
-            <a:off x="1024128" y="548640"/>
-            <a:ext cx="7772400" cy="1463040"/>
-          </a:xfrm>
-          <a:prstGeom prst="rect">
-            <a:avLst/>
-          </a:prstGeom>
-        </p:spPr>
-        <p:txBody>
-          <a:bodyPr vert="horz" lIns="91440" tIns="45720" rIns="91440" bIns="45720" rtlCol="0" anchor="ctr">
-            <a:normAutofit/>
-          </a:bodyPr>
-          <a:lstStyle>
-            <a:lvl1pPr algn="l" defTabSz="914400" rtl="0" eaLnBrk="1" latinLnBrk="0" hangingPunct="1">
-              <a:lnSpc>
-                <a:spcPct val="80000"/>
-              </a:lnSpc>
-              <a:spcBef>
-                <a:spcPct val="0"/>
-              </a:spcBef>
-              <a:buNone/>
-              <a:defRPr sz="5000" kern="1200" cap="all" spc="100" baseline="0">
-                <a:solidFill>
-                  <a:schemeClr val="tx1">
-                    <a:lumMod val="95000"/>
-                    <a:lumOff val="5000"/>
-                  </a:schemeClr>
-                </a:solidFill>
-                <a:latin typeface="+mj-lt"/>
-                <a:ea typeface="+mj-ea"/>
-                <a:cs typeface="+mj-cs"/>
-              </a:defRPr>
-            </a:lvl1pPr>
-          </a:lstStyle>
-          <a:p>
-            <a:r>
-              <a:rPr lang="en-US" dirty="0"/>
-              <a:t>BY</a:t>
-            </a:r>
-            <a:endParaRPr lang="en-TH" dirty="0"/>
-          </a:p>
-        </p:txBody>
-      </p:sp>
-      <p:sp>
-        <p:nvSpPr>
-          <p:cNvPr id="2" name="TextBox 1">
-            <a:extLst>
-              <a:ext uri="{FF2B5EF4-FFF2-40B4-BE49-F238E27FC236}">
-                <a16:creationId xmlns:a16="http://schemas.microsoft.com/office/drawing/2014/main" id="{8A6F2508-B533-2A47-B7BA-3744CEA38303}"/>
-              </a:ext>
-            </a:extLst>
-          </p:cNvPr>
-          <p:cNvSpPr txBox="1"/>
-          <p:nvPr/>
-        </p:nvSpPr>
-        <p:spPr>
-          <a:xfrm>
-            <a:off x="2167128" y="3105834"/>
-            <a:ext cx="5541264" cy="646331"/>
-          </a:xfrm>
-          <a:prstGeom prst="rect">
-            <a:avLst/>
-          </a:prstGeom>
-          <a:noFill/>
-        </p:spPr>
-        <p:txBody>
-          <a:bodyPr wrap="square" rtlCol="0">
-            <a:spAutoFit/>
-          </a:bodyPr>
-          <a:lstStyle/>
-          <a:p>
-            <a:r>
-              <a:rPr lang="en-TH" dirty="0"/>
-              <a:t>WITCHAYUT THONGYOI 6238197821</a:t>
-            </a:r>
-          </a:p>
-          <a:p>
-            <a:r>
-              <a:rPr lang="en-TH" dirty="0"/>
-              <a:t>WIRIT KHONGCHAROEN 6238200021</a:t>
-            </a:r>
-          </a:p>
-        </p:txBody>
-      </p:sp>
-    </p:spTree>
-    <p:extLst>
-      <p:ext uri="{BB962C8B-B14F-4D97-AF65-F5344CB8AC3E}">
-        <p14:creationId xmlns:p14="http://schemas.microsoft.com/office/powerpoint/2010/main" val="2239164319"/>
-      </p:ext>
-    </p:extLst>
-  </p:cSld>
-  <p:clrMapOvr>
-    <a:masterClrMapping/>
-  </p:clrMapOvr>
-</p:sld>
-</file>
-
 <file path=ppt/theme/theme1.xml><?xml version="1.0" encoding="utf-8"?>
 <a:theme xmlns:a="http://schemas.openxmlformats.org/drawingml/2006/main" name="Integral">
   <a:themeElements>
